--- a/PresentationDataMining.pptx
+++ b/PresentationDataMining.pptx
@@ -125,16 +125,6 @@
     </p:ext>
   </p:extLst>
 </p:presentation>
-</file>
-
-<file path=ppt/revisionInfo.xml><?xml version="1.0" encoding="utf-8"?>
-<p1510:revInfo xmlns:a="http://schemas.openxmlformats.org/drawingml/2006/main" xmlns:r="http://schemas.openxmlformats.org/officeDocument/2006/relationships" xmlns:p1510="http://schemas.microsoft.com/office/powerpoint/2015/10/main">
-  <p1510:revLst>
-    <p1510:client id="{35C735B7-8B0F-4B70-1C7A-6AB933DED54F}" v="129" dt="2024-02-16T18:10:48.177"/>
-    <p1510:client id="{CEA546BB-FDDF-4CA8-A29B-0D1360B7D35C}" v="1196" dt="2024-02-16T18:33:35.229"/>
-    <p1510:client id="{F3CD8C20-4B68-48C5-9B1A-A52C86734DD3}" v="274" dt="2024-02-16T17:22:49.234"/>
-  </p1510:revLst>
-</p1510:revInfo>
 </file>
 
 <file path=ppt/handoutMasters/handoutMaster1.xml><?xml version="1.0" encoding="utf-8"?>
@@ -9826,6 +9816,45 @@
           </a:p>
         </p:txBody>
       </p:sp>
+      <p:pic>
+        <p:nvPicPr>
+          <p:cNvPr id="19" name="Audio 18">
+            <a:hlinkClick r:id="" action="ppaction://media"/>
+            <a:extLst>
+              <a:ext uri="{FF2B5EF4-FFF2-40B4-BE49-F238E27FC236}">
+                <a16:creationId xmlns:a16="http://schemas.microsoft.com/office/drawing/2014/main" id="{BA013FF0-26FF-AD72-9C77-A6A12EF430ED}"/>
+              </a:ext>
+            </a:extLst>
+          </p:cNvPr>
+          <p:cNvPicPr>
+            <a:picLocks noChangeAspect="1"/>
+          </p:cNvPicPr>
+          <p:nvPr>
+            <a:audioFile r:link="rId2"/>
+            <p:extLst>
+              <p:ext uri="{DAA4B4D4-6D71-4841-9C94-3DE7FCFB9230}">
+                <p14:media xmlns:p14="http://schemas.microsoft.com/office/powerpoint/2010/main" r:embed="rId1"/>
+              </p:ext>
+            </p:extLst>
+          </p:nvPr>
+        </p:nvPicPr>
+        <p:blipFill>
+          <a:blip r:embed="rId4"/>
+          <a:srcRect l="-161075" t="-161075" r="-161075" b="-161075"/>
+          <a:stretch>
+            <a:fillRect/>
+          </a:stretch>
+        </p:blipFill>
+        <p:spPr>
+          <a:xfrm>
+            <a:off x="10052304" y="4718304"/>
+            <a:ext cx="2057400" cy="2057400"/>
+          </a:xfrm>
+          <a:prstGeom prst="ellipse">
+            <a:avLst/>
+          </a:prstGeom>
+        </p:spPr>
+      </p:pic>
     </p:spTree>
     <p:extLst>
       <p:ext uri="{BB962C8B-B14F-4D97-AF65-F5344CB8AC3E}">
@@ -9836,6 +9865,101 @@
   <p:clrMapOvr>
     <a:masterClrMapping/>
   </p:clrMapOvr>
+  <mc:AlternateContent xmlns:mc="http://schemas.openxmlformats.org/markup-compatibility/2006">
+    <mc:Choice xmlns:p14="http://schemas.microsoft.com/office/powerpoint/2010/main" Requires="p14">
+      <p:transition spd="slow" p14:dur="2000" advTm="398"/>
+    </mc:Choice>
+    <mc:Fallback>
+      <p:transition spd="slow" advTm="398"/>
+    </mc:Fallback>
+  </mc:AlternateContent>
+  <p:timing>
+    <p:tnLst>
+      <p:par>
+        <p:cTn id="1" dur="indefinite" restart="never" nodeType="tmRoot">
+          <p:childTnLst>
+            <p:seq concurrent="1" nextAc="seek">
+              <p:cTn id="2" dur="indefinite" nodeType="mainSeq">
+                <p:childTnLst>
+                  <p:par>
+                    <p:cTn id="3" fill="hold">
+                      <p:stCondLst>
+                        <p:cond delay="indefinite"/>
+                        <p:cond evt="onBegin" delay="0">
+                          <p:tn val="2"/>
+                        </p:cond>
+                      </p:stCondLst>
+                      <p:childTnLst>
+                        <p:par>
+                          <p:cTn id="4" fill="hold">
+                            <p:stCondLst>
+                              <p:cond delay="0"/>
+                            </p:stCondLst>
+                            <p:childTnLst>
+                              <p:par>
+                                <p:cTn id="5" presetID="1" presetClass="mediacall" presetSubtype="0" fill="hold" nodeType="afterEffect">
+                                  <p:stCondLst>
+                                    <p:cond delay="0"/>
+                                  </p:stCondLst>
+                                  <p:childTnLst>
+                                    <p:cmd type="call" cmd="playFrom(0.0)">
+                                      <p:cBhvr>
+                                        <p:cTn id="6" dur="1" fill="hold"/>
+                                        <p:tgtEl>
+                                          <p:spTgt spid="19"/>
+                                        </p:tgtEl>
+                                      </p:cBhvr>
+                                    </p:cmd>
+                                  </p:childTnLst>
+                                </p:cTn>
+                              </p:par>
+                            </p:childTnLst>
+                          </p:cTn>
+                        </p:par>
+                      </p:childTnLst>
+                    </p:cTn>
+                  </p:par>
+                </p:childTnLst>
+              </p:cTn>
+              <p:prevCondLst>
+                <p:cond evt="onPrev" delay="0">
+                  <p:tgtEl>
+                    <p:sldTgt/>
+                  </p:tgtEl>
+                </p:cond>
+              </p:prevCondLst>
+              <p:nextCondLst>
+                <p:cond evt="onNext" delay="0">
+                  <p:tgtEl>
+                    <p:sldTgt/>
+                  </p:tgtEl>
+                </p:cond>
+              </p:nextCondLst>
+            </p:seq>
+            <p:audio isNarration="1">
+              <p:cMediaNode vol="80000" showWhenStopped="0">
+                <p:cTn id="7" fill="hold" display="0">
+                  <p:stCondLst>
+                    <p:cond delay="indefinite"/>
+                  </p:stCondLst>
+                  <p:endCondLst>
+                    <p:cond evt="onStopAudio" delay="0">
+                      <p:tgtEl>
+                        <p:sldTgt/>
+                      </p:tgtEl>
+                    </p:cond>
+                  </p:endCondLst>
+                </p:cTn>
+                <p:tgtEl>
+                  <p:spTgt spid="19"/>
+                </p:tgtEl>
+              </p:cMediaNode>
+            </p:audio>
+          </p:childTnLst>
+        </p:cTn>
+      </p:par>
+    </p:tnLst>
+  </p:timing>
 </p:sld>
 </file>
 
@@ -10490,6 +10614,47 @@
           </a:p>
         </p:txBody>
       </p:sp>
+      <p:pic>
+        <p:nvPicPr>
+          <p:cNvPr id="14" name="Graphic 13">
+            <a:extLst>
+              <a:ext uri="{FF2B5EF4-FFF2-40B4-BE49-F238E27FC236}">
+                <a16:creationId xmlns:a16="http://schemas.microsoft.com/office/drawing/2014/main" id="{5104D2EA-A8F1-B8B9-6E6F-1406FCFDE13A}"/>
+              </a:ext>
+            </a:extLst>
+          </p:cNvPr>
+          <p:cNvPicPr>
+            <a:picLocks noChangeAspect="1"/>
+            <a:extLst>
+              <a:ext uri="{51228E76-BA90-4043-B771-695A4F85340A}">
+                <alf:liveFeedProps xmlns:alf="http://schemas.microsoft.com/office/drawing/2021/livefeed"/>
+              </a:ext>
+            </a:extLst>
+          </p:cNvPicPr>
+          <p:nvPr/>
+        </p:nvPicPr>
+        <p:blipFill>
+          <a:blip r:embed="rId2">
+            <a:extLst>
+              <a:ext uri="{96DAC541-7B7A-43D3-8B79-37D633B846F1}">
+                <asvg:svgBlip xmlns:asvg="http://schemas.microsoft.com/office/drawing/2016/SVG/main" r:embed="rId3"/>
+              </a:ext>
+            </a:extLst>
+          </a:blip>
+          <a:stretch>
+            <a:fillRect/>
+          </a:stretch>
+        </p:blipFill>
+        <p:spPr>
+          <a:xfrm>
+            <a:off x="10052304" y="4718304"/>
+            <a:ext cx="2057400" cy="2057400"/>
+          </a:xfrm>
+          <a:prstGeom prst="ellipse">
+            <a:avLst/>
+          </a:prstGeom>
+        </p:spPr>
+      </p:pic>
     </p:spTree>
     <p:extLst>
       <p:ext uri="{BB962C8B-B14F-4D97-AF65-F5344CB8AC3E}">
@@ -10633,7 +10798,7 @@
                 <a:ea typeface="+mn-lt"/>
                 <a:cs typeface="+mn-lt"/>
               </a:rPr>
-              <a:t> steaming:</a:t>
+              <a:t> stemming:</a:t>
             </a:r>
             <a:r>
               <a:rPr lang="en-US" sz="1600" dirty="0">
@@ -11337,6 +11502,47 @@
           </a:p>
         </p:txBody>
       </p:sp>
+      <p:pic>
+        <p:nvPicPr>
+          <p:cNvPr id="15" name="Graphic 14">
+            <a:extLst>
+              <a:ext uri="{FF2B5EF4-FFF2-40B4-BE49-F238E27FC236}">
+                <a16:creationId xmlns:a16="http://schemas.microsoft.com/office/drawing/2014/main" id="{18C42BB3-62C7-F67B-4465-4A2EBA5CBCFA}"/>
+              </a:ext>
+            </a:extLst>
+          </p:cNvPr>
+          <p:cNvPicPr>
+            <a:picLocks noChangeAspect="1"/>
+            <a:extLst>
+              <a:ext uri="{51228E76-BA90-4043-B771-695A4F85340A}">
+                <alf:liveFeedProps xmlns:alf="http://schemas.microsoft.com/office/drawing/2021/livefeed"/>
+              </a:ext>
+            </a:extLst>
+          </p:cNvPicPr>
+          <p:nvPr/>
+        </p:nvPicPr>
+        <p:blipFill>
+          <a:blip r:embed="rId2">
+            <a:extLst>
+              <a:ext uri="{96DAC541-7B7A-43D3-8B79-37D633B846F1}">
+                <asvg:svgBlip xmlns:asvg="http://schemas.microsoft.com/office/drawing/2016/SVG/main" r:embed="rId3"/>
+              </a:ext>
+            </a:extLst>
+          </a:blip>
+          <a:stretch>
+            <a:fillRect/>
+          </a:stretch>
+        </p:blipFill>
+        <p:spPr>
+          <a:xfrm>
+            <a:off x="10052304" y="4718304"/>
+            <a:ext cx="2057400" cy="2057400"/>
+          </a:xfrm>
+          <a:prstGeom prst="ellipse">
+            <a:avLst/>
+          </a:prstGeom>
+        </p:spPr>
+      </p:pic>
     </p:spTree>
     <p:extLst>
       <p:ext uri="{BB962C8B-B14F-4D97-AF65-F5344CB8AC3E}">
